--- a/DPM.pptx
+++ b/DPM.pptx
@@ -7651,28 +7651,26 @@
             </a:pPr>
             <a:r>
               <a:rPr lang="en" sz="2400"/>
-              <a:t>This Project aims to </a:t>
+              <a:t>This Project aims to create a dashboard which will show real time status of the buses on the  routes </a:t>
             </a:r>
             <a:r>
               <a:rPr lang="en" sz="2400"/>
-              <a:t>provide analysis on the various routes, trips, stops, timings amongst other things on which DTC operates.</a:t>
+              <a:t>on which DTC operates.</a:t>
             </a:r>
             <a:endParaRPr sz="2400"/>
           </a:p>
           <a:p>
-            <a:pPr indent="-381000" lvl="0" marL="457200" rtl="0" algn="l">
-              <a:spcBef>
-                <a:spcPts val="0"/>
-              </a:spcBef>
-              <a:spcAft>
-                <a:spcPts val="0"/>
-              </a:spcAft>
-              <a:buSzPts val="2400"/>
-              <a:buChar char="●"/>
+            <a:pPr indent="0" lvl="0" marL="457200" rtl="0" algn="l">
+              <a:spcBef>
+                <a:spcPts val="1600"/>
+              </a:spcBef>
+              <a:spcAft>
+                <a:spcPts val="1600"/>
+              </a:spcAft>
+              <a:buNone/>
             </a:pPr>
             <a:r>
-              <a:rPr lang="en" sz="2400"/>
-              <a:t>The main emphasis of this project will be on real time GPS data which can help in tracking and predicting the bus arrival times at a particular location.</a:t>
+              <a:t/>
             </a:r>
             <a:endParaRPr sz="2400"/>
           </a:p>
@@ -7766,84 +7764,38 @@
           </a:bodyPr>
           <a:lstStyle/>
           <a:p>
-            <a:pPr indent="-368300" lvl="0" marL="457200" rtl="0" algn="l">
-              <a:spcBef>
-                <a:spcPts val="0"/>
-              </a:spcBef>
-              <a:spcAft>
-                <a:spcPts val="0"/>
-              </a:spcAft>
-              <a:buSzPts val="2200"/>
+            <a:pPr indent="-381000" lvl="0" marL="457200" rtl="0" algn="l">
+              <a:spcBef>
+                <a:spcPts val="0"/>
+              </a:spcBef>
+              <a:spcAft>
+                <a:spcPts val="0"/>
+              </a:spcAft>
+              <a:buSzPts val="2400"/>
               <a:buChar char="●"/>
             </a:pPr>
             <a:r>
-              <a:rPr lang="en" sz="2200"/>
-              <a:t>Users will be able to find routes between stops.</a:t>
+              <a:rPr lang="en" sz="2400"/>
+              <a:t>The Dashboard will show the starting, next and destination stop of the bus,timings and its current running status.</a:t>
             </a:r>
-            <a:endParaRPr sz="2200"/>
+            <a:endParaRPr sz="2400"/>
           </a:p>
           <a:p>
-            <a:pPr indent="-368300" lvl="0" marL="457200" rtl="0" algn="l">
-              <a:spcBef>
-                <a:spcPts val="0"/>
-              </a:spcBef>
-              <a:spcAft>
-                <a:spcPts val="0"/>
-              </a:spcAft>
-              <a:buSzPts val="2200"/>
+            <a:pPr indent="-381000" lvl="0" marL="457200" rtl="0" algn="l">
+              <a:spcBef>
+                <a:spcPts val="0"/>
+              </a:spcBef>
+              <a:spcAft>
+                <a:spcPts val="0"/>
+              </a:spcAft>
+              <a:buSzPts val="2400"/>
               <a:buChar char="●"/>
             </a:pPr>
             <a:r>
-              <a:rPr lang="en" sz="2200"/>
-              <a:t>The portal will allow users to check timings of the buses on a particular route</a:t>
+              <a:rPr lang="en" sz="2400"/>
+              <a:t>User will get the option to select the route of which the status will be fetched and presented.</a:t>
             </a:r>
-            <a:r>
-              <a:rPr lang="en" sz="2200"/>
-              <a:t>.</a:t>
-            </a:r>
-            <a:endParaRPr sz="2200"/>
-          </a:p>
-          <a:p>
-            <a:pPr indent="-368300" lvl="0" marL="457200" rtl="0" algn="l">
-              <a:spcBef>
-                <a:spcPts val="0"/>
-              </a:spcBef>
-              <a:spcAft>
-                <a:spcPts val="0"/>
-              </a:spcAft>
-              <a:buSzPts val="2200"/>
-              <a:buChar char="●"/>
-            </a:pPr>
-            <a:r>
-              <a:rPr lang="en" sz="2200"/>
-              <a:t>Apart from the above user can also check buses </a:t>
-            </a:r>
-            <a:r>
-              <a:rPr lang="en" sz="2200"/>
-              <a:t>operating from a particular stop and its direct connectivity</a:t>
-            </a:r>
-            <a:r>
-              <a:rPr lang="en" sz="2200"/>
-              <a:t>.</a:t>
-            </a:r>
-            <a:endParaRPr sz="2200"/>
-          </a:p>
-          <a:p>
-            <a:pPr indent="-368300" lvl="0" marL="457200" rtl="0" algn="l">
-              <a:spcBef>
-                <a:spcPts val="0"/>
-              </a:spcBef>
-              <a:spcAft>
-                <a:spcPts val="0"/>
-              </a:spcAft>
-              <a:buSzPts val="2200"/>
-              <a:buChar char="●"/>
-            </a:pPr>
-            <a:r>
-              <a:rPr lang="en" sz="2200"/>
-              <a:t>The Portal will provide real time tracking of the buses on a particular route and their expected arrival time.</a:t>
-            </a:r>
-            <a:endParaRPr sz="2200"/>
+            <a:endParaRPr sz="2400"/>
           </a:p>
           <a:p>
             <a:pPr indent="0" lvl="0" marL="457200" rtl="0" algn="l">
@@ -7851,29 +7803,14 @@
                 <a:spcPts val="1600"/>
               </a:spcBef>
               <a:spcAft>
-                <a:spcPts val="0"/>
+                <a:spcPts val="1600"/>
               </a:spcAft>
               <a:buNone/>
             </a:pPr>
             <a:r>
               <a:t/>
             </a:r>
-            <a:endParaRPr sz="2200"/>
-          </a:p>
-          <a:p>
-            <a:pPr indent="0" lvl="0" marL="457200" rtl="0" algn="l">
-              <a:spcBef>
-                <a:spcPts val="1600"/>
-              </a:spcBef>
-              <a:spcAft>
-                <a:spcPts val="1600"/>
-              </a:spcAft>
-              <a:buNone/>
-            </a:pPr>
-            <a:r>
-              <a:t/>
-            </a:r>
-            <a:endParaRPr sz="3100"/>
+            <a:endParaRPr sz="2400"/>
           </a:p>
         </p:txBody>
       </p:sp>
@@ -8012,8 +7949,8 @@
         </p:blipFill>
         <p:spPr>
           <a:xfrm>
-            <a:off x="914925" y="1042600"/>
-            <a:ext cx="7314150" cy="4100900"/>
+            <a:off x="585600" y="1101675"/>
+            <a:ext cx="7972799" cy="3852375"/>
           </a:xfrm>
           <a:prstGeom prst="rect">
             <a:avLst/>
@@ -8141,7 +8078,7 @@
             </a:pPr>
             <a:r>
               <a:rPr lang="en" sz="2000"/>
-              <a:t>Data Preprocessing and Storage.</a:t>
+              <a:t>Frontend + Backend code for obtaining results.</a:t>
             </a:r>
             <a:endParaRPr sz="2000"/>
           </a:p>
@@ -8158,24 +8095,7 @@
             </a:pPr>
             <a:r>
               <a:rPr lang="en" sz="2000"/>
-              <a:t>Backend code for obtaining results.</a:t>
-            </a:r>
-            <a:endParaRPr sz="2000"/>
-          </a:p>
-          <a:p>
-            <a:pPr indent="-355600" lvl="0" marL="457200" rtl="0" algn="l">
-              <a:spcBef>
-                <a:spcPts val="0"/>
-              </a:spcBef>
-              <a:spcAft>
-                <a:spcPts val="0"/>
-              </a:spcAft>
-              <a:buSzPts val="2000"/>
-              <a:buAutoNum type="arabicPeriod"/>
-            </a:pPr>
-            <a:r>
-              <a:rPr lang="en" sz="2000"/>
-              <a:t>Step 3 + Frontend development and verification of results.</a:t>
+              <a:t>Step 3 + Reiterations and verification of results.</a:t>
             </a:r>
             <a:endParaRPr sz="2000"/>
           </a:p>
